--- a/homework/Homework 1 Powerpoint.pptx
+++ b/homework/Homework 1 Powerpoint.pptx
@@ -7,8 +7,8 @@
   <p:sldIdLst>
     <p:sldId id="256" r:id="rId2"/>
     <p:sldId id="257" r:id="rId3"/>
-    <p:sldId id="259" r:id="rId4"/>
-    <p:sldId id="258" r:id="rId5"/>
+    <p:sldId id="258" r:id="rId4"/>
+    <p:sldId id="259" r:id="rId5"/>
     <p:sldId id="260" r:id="rId6"/>
   </p:sldIdLst>
   <p:sldSz cx="12192000" cy="6858000"/>
@@ -279,7 +279,7 @@
           <a:p>
             <a:fld id="{1160EA64-D806-43AC-9DF2-F8C432F32B4C}" type="datetimeFigureOut">
               <a:rPr lang="en-US" dirty="0"/>
-              <a:t>1/29/24</a:t>
+              <a:t>2/5/24</a:t>
             </a:fld>
             <a:endParaRPr lang="en-US" dirty="0"/>
           </a:p>
@@ -445,7 +445,7 @@
           <a:p>
             <a:fld id="{E9F9C37B-1D36-470B-8223-D6C91242EC14}" type="datetimeFigureOut">
               <a:rPr lang="en-US" dirty="0"/>
-              <a:t>1/29/24</a:t>
+              <a:t>2/5/24</a:t>
             </a:fld>
             <a:endParaRPr lang="en-US" dirty="0"/>
           </a:p>
@@ -620,7 +620,7 @@
           <a:p>
             <a:fld id="{67C6F52A-A82B-47A2-A83A-8C4C91F2D59F}" type="datetimeFigureOut">
               <a:rPr lang="en-US" dirty="0"/>
-              <a:t>1/29/24</a:t>
+              <a:t>2/5/24</a:t>
             </a:fld>
             <a:endParaRPr lang="en-US" dirty="0"/>
           </a:p>
@@ -785,7 +785,7 @@
           <a:p>
             <a:fld id="{F070A7B3-6521-4DCA-87E5-044747A908C1}" type="datetimeFigureOut">
               <a:rPr lang="en-US" dirty="0"/>
-              <a:t>1/29/24</a:t>
+              <a:t>2/5/24</a:t>
             </a:fld>
             <a:endParaRPr lang="en-US" dirty="0"/>
           </a:p>
@@ -1049,7 +1049,7 @@
           <a:p>
             <a:fld id="{1160EA64-D806-43AC-9DF2-F8C432F32B4C}" type="datetimeFigureOut">
               <a:rPr lang="en-US" dirty="0"/>
-              <a:t>1/29/24</a:t>
+              <a:t>2/5/24</a:t>
             </a:fld>
             <a:endParaRPr lang="en-US" dirty="0"/>
           </a:p>
@@ -1277,7 +1277,7 @@
           <a:p>
             <a:fld id="{AB134690-1557-4C89-A502-4959FE7FAD70}" type="datetimeFigureOut">
               <a:rPr lang="en-US" dirty="0"/>
-              <a:t>1/29/24</a:t>
+              <a:t>2/5/24</a:t>
             </a:fld>
             <a:endParaRPr lang="en-US" dirty="0"/>
           </a:p>
@@ -1631,7 +1631,7 @@
           <a:p>
             <a:fld id="{4F7D4976-E339-4826-83B7-FBD03F55ECF8}" type="datetimeFigureOut">
               <a:rPr lang="en-US" dirty="0"/>
-              <a:t>1/29/24</a:t>
+              <a:t>2/5/24</a:t>
             </a:fld>
             <a:endParaRPr lang="en-US" dirty="0"/>
           </a:p>
@@ -1767,7 +1767,7 @@
           <a:p>
             <a:fld id="{E1037C31-9E7A-4F99-8774-A0E530DE1A42}" type="datetimeFigureOut">
               <a:rPr lang="en-US" dirty="0"/>
-              <a:t>1/29/24</a:t>
+              <a:t>2/5/24</a:t>
             </a:fld>
             <a:endParaRPr lang="en-US" dirty="0"/>
           </a:p>
@@ -1857,7 +1857,7 @@
           <a:p>
             <a:fld id="{C278504F-A551-4DE0-9316-4DCD1D8CC752}" type="datetimeFigureOut">
               <a:rPr lang="en-US" dirty="0"/>
-              <a:t>1/29/24</a:t>
+              <a:t>2/5/24</a:t>
             </a:fld>
             <a:endParaRPr lang="en-US" dirty="0"/>
           </a:p>
@@ -2209,7 +2209,7 @@
           <a:p>
             <a:fld id="{D1BE4249-C0D0-4B06-8692-E8BB871AF643}" type="datetimeFigureOut">
               <a:rPr lang="en-US" dirty="0"/>
-              <a:t>1/29/24</a:t>
+              <a:t>2/5/24</a:t>
             </a:fld>
             <a:endParaRPr lang="en-US" dirty="0"/>
           </a:p>
@@ -2561,7 +2561,7 @@
           <a:p>
             <a:fld id="{042B0DB6-F5C7-45FB-8CF3-31B45F9C2DAC}" type="datetimeFigureOut">
               <a:rPr lang="en-US" dirty="0"/>
-              <a:t>1/29/24</a:t>
+              <a:t>2/5/24</a:t>
             </a:fld>
             <a:endParaRPr lang="en-US" dirty="0"/>
           </a:p>
@@ -2798,7 +2798,7 @@
           <a:p>
             <a:fld id="{1160EA64-D806-43AC-9DF2-F8C432F32B4C}" type="datetimeFigureOut">
               <a:rPr lang="en-US" dirty="0"/>
-              <a:t>1/29/24</a:t>
+              <a:t>2/5/24</a:t>
             </a:fld>
             <a:endParaRPr lang="en-US" dirty="0"/>
           </a:p>
@@ -3507,7 +3507,7 @@
           <p:cNvPr id="2" name="Title 1">
             <a:extLst>
               <a:ext uri="{FF2B5EF4-FFF2-40B4-BE49-F238E27FC236}">
-                <a16:creationId xmlns:a16="http://schemas.microsoft.com/office/drawing/2014/main" id="{3C9E8C75-B72C-1A83-DA4A-F70D3BB218B4}"/>
+                <a16:creationId xmlns:a16="http://schemas.microsoft.com/office/drawing/2014/main" id="{6C8D17F4-2B07-804B-5A85-440540FCFD36}"/>
               </a:ext>
             </a:extLst>
           </p:cNvPr>
@@ -3525,7 +3525,7 @@
           <a:p>
             <a:r>
               <a:rPr lang="en-US" dirty="0"/>
-              <a:t>Is AI The ”New Wheel?”</a:t>
+              <a:t>What is signal</a:t>
             </a:r>
           </a:p>
         </p:txBody>
@@ -3535,7 +3535,7 @@
           <p:cNvPr id="3" name="Content Placeholder 2">
             <a:extLst>
               <a:ext uri="{FF2B5EF4-FFF2-40B4-BE49-F238E27FC236}">
-                <a16:creationId xmlns:a16="http://schemas.microsoft.com/office/drawing/2014/main" id="{FE570EEB-957B-0AD1-E2FB-83E5EDA7319A}"/>
+                <a16:creationId xmlns:a16="http://schemas.microsoft.com/office/drawing/2014/main" id="{7A363223-90A0-52E1-CE8E-5E4EC8DAFCB4}"/>
               </a:ext>
             </a:extLst>
           </p:cNvPr>
@@ -3553,25 +3553,47 @@
           <a:p>
             <a:r>
               <a:rPr lang="en-US" sz="2400" dirty="0"/>
-              <a:t>Bigger than the printing press? ”New wheel?”</a:t>
+              <a:t>Meredith Whitaker, President </a:t>
             </a:r>
           </a:p>
           <a:p>
             <a:r>
               <a:rPr lang="en-US" sz="2400" dirty="0"/>
-              <a:t>The bigger AI gets, the tech giants that are owners of this intelligence, can become even more powerful</a:t>
-            </a:r>
-          </a:p>
-          <a:p>
+              <a:t>Non-profit encrypted messaging system </a:t>
+            </a:r>
+          </a:p>
+          <a:p>
+            <a:pPr lvl="1"/>
             <a:r>
               <a:rPr lang="en-US" sz="2400" dirty="0"/>
-              <a:t>Concentrated power among a handful of companies primarily based in the U.S.</a:t>
-            </a:r>
-          </a:p>
-          <a:p>
-            <a:pPr marL="0" indent="0">
-              <a:buNone/>
-            </a:pPr>
+              <a:t>End-to-end encryption		</a:t>
+            </a:r>
+          </a:p>
+          <a:p>
+            <a:r>
+              <a:rPr lang="en-US" sz="2400" dirty="0"/>
+              <a:t>Goes out of its way to collect no data</a:t>
+            </a:r>
+          </a:p>
+          <a:p>
+            <a:r>
+              <a:rPr lang="en-US" sz="2400" dirty="0"/>
+              <a:t>Private communication</a:t>
+            </a:r>
+          </a:p>
+          <a:p>
+            <a:pPr lvl="1"/>
+            <a:endParaRPr lang="en-US" dirty="0"/>
+          </a:p>
+          <a:p>
+            <a:pPr lvl="1"/>
+            <a:endParaRPr lang="en-US" dirty="0"/>
+          </a:p>
+          <a:p>
+            <a:pPr lvl="1"/>
+            <a:endParaRPr lang="en-US" dirty="0"/>
+          </a:p>
+          <a:p>
             <a:endParaRPr lang="en-US" dirty="0"/>
           </a:p>
         </p:txBody>
@@ -3579,7 +3601,7 @@
     </p:spTree>
     <p:extLst>
       <p:ext uri="{BB962C8B-B14F-4D97-AF65-F5344CB8AC3E}">
-        <p14:creationId xmlns:p14="http://schemas.microsoft.com/office/powerpoint/2010/main" val="2531657789"/>
+        <p14:creationId xmlns:p14="http://schemas.microsoft.com/office/powerpoint/2010/main" val="3168821276"/>
       </p:ext>
     </p:extLst>
   </p:cSld>
@@ -3611,7 +3633,7 @@
           <p:cNvPr id="2" name="Title 1">
             <a:extLst>
               <a:ext uri="{FF2B5EF4-FFF2-40B4-BE49-F238E27FC236}">
-                <a16:creationId xmlns:a16="http://schemas.microsoft.com/office/drawing/2014/main" id="{6C8D17F4-2B07-804B-5A85-440540FCFD36}"/>
+                <a16:creationId xmlns:a16="http://schemas.microsoft.com/office/drawing/2014/main" id="{3C9E8C75-B72C-1A83-DA4A-F70D3BB218B4}"/>
               </a:ext>
             </a:extLst>
           </p:cNvPr>
@@ -3629,7 +3651,7 @@
           <a:p>
             <a:r>
               <a:rPr lang="en-US" dirty="0"/>
-              <a:t>What is signal</a:t>
+              <a:t>Is AI The ”New Wheel?”</a:t>
             </a:r>
           </a:p>
         </p:txBody>
@@ -3639,7 +3661,7 @@
           <p:cNvPr id="3" name="Content Placeholder 2">
             <a:extLst>
               <a:ext uri="{FF2B5EF4-FFF2-40B4-BE49-F238E27FC236}">
-                <a16:creationId xmlns:a16="http://schemas.microsoft.com/office/drawing/2014/main" id="{7A363223-90A0-52E1-CE8E-5E4EC8DAFCB4}"/>
+                <a16:creationId xmlns:a16="http://schemas.microsoft.com/office/drawing/2014/main" id="{FE570EEB-957B-0AD1-E2FB-83E5EDA7319A}"/>
               </a:ext>
             </a:extLst>
           </p:cNvPr>
@@ -3657,47 +3679,25 @@
           <a:p>
             <a:r>
               <a:rPr lang="en-US" sz="2400" dirty="0"/>
-              <a:t>Meredith Whitaker, President </a:t>
+              <a:t>Bigger than the printing press? ”New wheel?”</a:t>
             </a:r>
           </a:p>
           <a:p>
             <a:r>
               <a:rPr lang="en-US" sz="2400" dirty="0"/>
-              <a:t>Non-profit encrypted messaging system </a:t>
-            </a:r>
-          </a:p>
-          <a:p>
-            <a:pPr lvl="1"/>
+              <a:t>The bigger AI gets, the tech giants that are owners of this intelligence, can become even more powerful</a:t>
+            </a:r>
+          </a:p>
+          <a:p>
             <a:r>
               <a:rPr lang="en-US" sz="2400" dirty="0"/>
-              <a:t>End-to-end encryption		</a:t>
-            </a:r>
-          </a:p>
-          <a:p>
-            <a:r>
-              <a:rPr lang="en-US" sz="2400" dirty="0"/>
-              <a:t>Goes out of its way to collect no data</a:t>
-            </a:r>
-          </a:p>
-          <a:p>
-            <a:r>
-              <a:rPr lang="en-US" sz="2400" dirty="0"/>
-              <a:t>Private communication</a:t>
-            </a:r>
-          </a:p>
-          <a:p>
-            <a:pPr lvl="1"/>
-            <a:endParaRPr lang="en-US" dirty="0"/>
-          </a:p>
-          <a:p>
-            <a:pPr lvl="1"/>
-            <a:endParaRPr lang="en-US" dirty="0"/>
-          </a:p>
-          <a:p>
-            <a:pPr lvl="1"/>
-            <a:endParaRPr lang="en-US" dirty="0"/>
-          </a:p>
-          <a:p>
+              <a:t>Concentrated power among a handful of companies primarily based in the U.S.</a:t>
+            </a:r>
+          </a:p>
+          <a:p>
+            <a:pPr marL="0" indent="0">
+              <a:buNone/>
+            </a:pPr>
             <a:endParaRPr lang="en-US" dirty="0"/>
           </a:p>
         </p:txBody>
@@ -3705,7 +3705,7 @@
     </p:spTree>
     <p:extLst>
       <p:ext uri="{BB962C8B-B14F-4D97-AF65-F5344CB8AC3E}">
-        <p14:creationId xmlns:p14="http://schemas.microsoft.com/office/powerpoint/2010/main" val="3168821276"/>
+        <p14:creationId xmlns:p14="http://schemas.microsoft.com/office/powerpoint/2010/main" val="2531657789"/>
       </p:ext>
     </p:extLst>
   </p:cSld>
